--- a/libuv.pptx
+++ b/libuv.pptx
@@ -5,7 +5,7 @@
     <p:sldMasterId id="2147483648" r:id="rId1"/>
   </p:sldMasterIdLst>
   <p:notesMasterIdLst>
-    <p:notesMasterId r:id="rId20"/>
+    <p:notesMasterId r:id="rId21"/>
   </p:notesMasterIdLst>
   <p:sldIdLst>
     <p:sldId id="256" r:id="rId2"/>
@@ -26,6 +26,7 @@
     <p:sldId id="267" r:id="rId17"/>
     <p:sldId id="270" r:id="rId18"/>
     <p:sldId id="271" r:id="rId19"/>
+    <p:sldId id="275" r:id="rId20"/>
   </p:sldIdLst>
   <p:sldSz cx="9144000" cy="6858000" type="screen4x3"/>
   <p:notesSz cx="6858000" cy="9144000"/>
@@ -3633,48 +3634,24 @@
         <p:spPr/>
         <p:txBody>
           <a:bodyPr>
-            <a:normAutofit fontScale="90000"/>
+            <a:normAutofit/>
           </a:bodyPr>
           <a:lstStyle/>
           <a:p>
             <a:pPr algn="l"/>
             <a:r>
-              <a:rPr lang="en-US" altLang="zh-CN" dirty="0" smtClean="0">
-                <a:latin typeface="Arial Black" pitchFamily="34" charset="0"/>
-              </a:rPr>
-              <a:t>Outside the </a:t>
-            </a:r>
-            <a:r>
-              <a:rPr lang="en-US" altLang="zh-CN" dirty="0" err="1" smtClean="0">
-                <a:latin typeface="Arial Black" pitchFamily="34" charset="0"/>
-              </a:rPr>
-              <a:t>libuv</a:t>
-            </a:r>
-            <a:r>
-              <a:rPr lang="en-US" altLang="zh-CN" dirty="0" smtClean="0">
-                <a:latin typeface="Arial Black" pitchFamily="34" charset="0"/>
-              </a:rPr>
-              <a:t> </a:t>
-            </a:r>
-            <a:r>
-              <a:rPr lang="en-US" altLang="zh-CN" sz="3100" dirty="0" smtClean="0">
-                <a:latin typeface="Arial Black" pitchFamily="34" charset="0"/>
-              </a:rPr>
-              <a:t>– </a:t>
-            </a:r>
-            <a:r>
-              <a:rPr lang="en-US" altLang="zh-CN" sz="3100" dirty="0" err="1" smtClean="0">
-                <a:latin typeface="Arial Black" pitchFamily="34" charset="0"/>
-              </a:rPr>
-              <a:t>libuv</a:t>
-            </a:r>
-            <a:r>
-              <a:rPr lang="en-US" altLang="zh-CN" sz="3100" dirty="0" smtClean="0">
+              <a:rPr lang="en-US" altLang="zh-CN" sz="4000" dirty="0" err="1" smtClean="0">
+                <a:latin typeface="Arial Black" pitchFamily="34" charset="0"/>
+              </a:rPr>
+              <a:t>Libuv</a:t>
+            </a:r>
+            <a:r>
+              <a:rPr lang="en-US" altLang="zh-CN" sz="4000" dirty="0" smtClean="0">
                 <a:latin typeface="Arial Black" pitchFamily="34" charset="0"/>
               </a:rPr>
               <a:t> usages</a:t>
             </a:r>
-            <a:endParaRPr lang="zh-CN" altLang="en-US" dirty="0"/>
+            <a:endParaRPr lang="zh-CN" altLang="en-US" sz="4000" dirty="0"/>
           </a:p>
         </p:txBody>
       </p:sp>
@@ -3841,48 +3818,24 @@
         <p:spPr/>
         <p:txBody>
           <a:bodyPr>
-            <a:normAutofit fontScale="90000"/>
+            <a:normAutofit/>
           </a:bodyPr>
           <a:lstStyle/>
           <a:p>
             <a:pPr algn="l"/>
             <a:r>
-              <a:rPr lang="en-US" altLang="zh-CN" dirty="0" smtClean="0">
-                <a:latin typeface="Arial Black" pitchFamily="34" charset="0"/>
-              </a:rPr>
-              <a:t>Outside the </a:t>
-            </a:r>
-            <a:r>
-              <a:rPr lang="en-US" altLang="zh-CN" dirty="0" err="1" smtClean="0">
-                <a:latin typeface="Arial Black" pitchFamily="34" charset="0"/>
-              </a:rPr>
-              <a:t>libuv</a:t>
-            </a:r>
-            <a:r>
-              <a:rPr lang="en-US" altLang="zh-CN" dirty="0" smtClean="0">
-                <a:latin typeface="Arial Black" pitchFamily="34" charset="0"/>
-              </a:rPr>
-              <a:t> </a:t>
-            </a:r>
-            <a:r>
-              <a:rPr lang="en-US" altLang="zh-CN" sz="3100" dirty="0" smtClean="0">
-                <a:latin typeface="Arial Black" pitchFamily="34" charset="0"/>
-              </a:rPr>
-              <a:t>– </a:t>
-            </a:r>
-            <a:r>
-              <a:rPr lang="en-US" altLang="zh-CN" sz="3100" dirty="0" err="1" smtClean="0">
-                <a:latin typeface="Arial Black" pitchFamily="34" charset="0"/>
-              </a:rPr>
-              <a:t>libuv</a:t>
-            </a:r>
-            <a:r>
-              <a:rPr lang="en-US" altLang="zh-CN" sz="3100" dirty="0" smtClean="0">
+              <a:rPr lang="en-US" altLang="zh-CN" sz="4000" dirty="0" err="1" smtClean="0">
+                <a:latin typeface="Arial Black" pitchFamily="34" charset="0"/>
+              </a:rPr>
+              <a:t>Libuv</a:t>
+            </a:r>
+            <a:r>
+              <a:rPr lang="en-US" altLang="zh-CN" sz="4000" dirty="0" smtClean="0">
                 <a:latin typeface="Arial Black" pitchFamily="34" charset="0"/>
               </a:rPr>
               <a:t> usages</a:t>
             </a:r>
-            <a:endParaRPr lang="zh-CN" altLang="en-US" dirty="0"/>
+            <a:endParaRPr lang="zh-CN" altLang="en-US" sz="4000" dirty="0"/>
           </a:p>
         </p:txBody>
       </p:sp>
@@ -3908,19 +3861,29 @@
           </a:bodyPr>
           <a:lstStyle/>
           <a:p>
+            <a:pPr>
+              <a:buNone/>
+            </a:pPr>
+            <a:r>
+              <a:rPr lang="en-US" sz="2000" dirty="0" smtClean="0">
+                <a:latin typeface="Arial Black" pitchFamily="34" charset="0"/>
+                <a:cs typeface="Courier New" pitchFamily="49" charset="0"/>
+              </a:rPr>
+              <a:t>		 </a:t>
+            </a:r>
             <a:r>
               <a:rPr lang="en-US" sz="2000" u="sng" dirty="0" smtClean="0">
                 <a:latin typeface="Arial Black" pitchFamily="34" charset="0"/>
                 <a:cs typeface="Courier New" pitchFamily="49" charset="0"/>
               </a:rPr>
-              <a:t>Normal BIO </a:t>
+              <a:t>Normal BIO</a:t>
             </a:r>
             <a:r>
               <a:rPr lang="en-US" sz="2000" dirty="0" smtClean="0">
                 <a:latin typeface="Arial Black" pitchFamily="34" charset="0"/>
                 <a:cs typeface="Courier New" pitchFamily="49" charset="0"/>
               </a:rPr>
-              <a:t>VS </a:t>
+              <a:t> 	          VS 	          </a:t>
             </a:r>
             <a:r>
               <a:rPr lang="en-US" sz="2000" u="sng" dirty="0" err="1" smtClean="0">
@@ -3936,13 +3899,10 @@
               </a:rPr>
               <a:t> AIO</a:t>
             </a:r>
-            <a:r>
-              <a:rPr lang="en-US" sz="2000" dirty="0" smtClean="0">
-                <a:latin typeface="Arial Black" pitchFamily="34" charset="0"/>
-                <a:cs typeface="Courier New" pitchFamily="49" charset="0"/>
-              </a:rPr>
-              <a:t> programming mode</a:t>
-            </a:r>
+            <a:endParaRPr lang="en-US" sz="2000" dirty="0" smtClean="0">
+              <a:latin typeface="Arial Black" pitchFamily="34" charset="0"/>
+              <a:cs typeface="Courier New" pitchFamily="49" charset="0"/>
+            </a:endParaRPr>
           </a:p>
           <a:p>
             <a:endParaRPr lang="en-US" sz="1400" dirty="0">
@@ -3969,7 +3929,7 @@
         </p:blipFill>
         <p:spPr bwMode="auto">
           <a:xfrm>
-            <a:off x="1142976" y="3381386"/>
+            <a:off x="1238243" y="3357562"/>
             <a:ext cx="2333625" cy="1619250"/>
           </a:xfrm>
           <a:prstGeom prst="rect">
@@ -4002,7 +3962,7 @@
         </p:blipFill>
         <p:spPr bwMode="auto">
           <a:xfrm>
-            <a:off x="4429124" y="2285992"/>
+            <a:off x="5000652" y="2214554"/>
             <a:ext cx="3429000" cy="3962400"/>
           </a:xfrm>
           <a:prstGeom prst="rect">
@@ -4018,6 +3978,42 @@
           <a:effectLst/>
         </p:spPr>
       </p:pic>
+      <p:cxnSp>
+        <p:nvCxnSpPr>
+          <p:cNvPr id="7" name="直接连接符 6"/>
+          <p:cNvCxnSpPr/>
+          <p:nvPr/>
+        </p:nvCxnSpPr>
+        <p:spPr>
+          <a:xfrm rot="5400000">
+            <a:off x="2429654" y="4071148"/>
+            <a:ext cx="3714776" cy="1588"/>
+          </a:xfrm>
+          <a:prstGeom prst="line">
+            <a:avLst/>
+          </a:prstGeom>
+          <a:ln>
+            <a:solidFill>
+              <a:schemeClr val="tx1"/>
+            </a:solidFill>
+            <a:prstDash val="dash"/>
+          </a:ln>
+        </p:spPr>
+        <p:style>
+          <a:lnRef idx="1">
+            <a:schemeClr val="accent1"/>
+          </a:lnRef>
+          <a:fillRef idx="0">
+            <a:schemeClr val="accent1"/>
+          </a:fillRef>
+          <a:effectRef idx="0">
+            <a:schemeClr val="accent1"/>
+          </a:effectRef>
+          <a:fontRef idx="minor">
+            <a:schemeClr val="tx1"/>
+          </a:fontRef>
+        </p:style>
+      </p:cxnSp>
     </p:spTree>
   </p:cSld>
   <p:clrMapOvr>
@@ -4063,48 +4059,24 @@
         <p:spPr/>
         <p:txBody>
           <a:bodyPr>
-            <a:normAutofit fontScale="90000"/>
+            <a:normAutofit/>
           </a:bodyPr>
           <a:lstStyle/>
           <a:p>
             <a:pPr algn="l"/>
             <a:r>
-              <a:rPr lang="en-US" altLang="zh-CN" dirty="0" smtClean="0">
-                <a:latin typeface="Arial Black" pitchFamily="34" charset="0"/>
-              </a:rPr>
-              <a:t>Inside the </a:t>
-            </a:r>
-            <a:r>
-              <a:rPr lang="en-US" altLang="zh-CN" dirty="0" err="1" smtClean="0">
-                <a:latin typeface="Arial Black" pitchFamily="34" charset="0"/>
-              </a:rPr>
-              <a:t>libuv</a:t>
-            </a:r>
-            <a:r>
-              <a:rPr lang="en-US" altLang="zh-CN" dirty="0" smtClean="0">
-                <a:latin typeface="Arial Black" pitchFamily="34" charset="0"/>
-              </a:rPr>
-              <a:t> </a:t>
-            </a:r>
-            <a:r>
-              <a:rPr lang="en-US" altLang="zh-CN" sz="3100" dirty="0" smtClean="0">
-                <a:latin typeface="Arial Black" pitchFamily="34" charset="0"/>
-              </a:rPr>
-              <a:t>– </a:t>
-            </a:r>
-            <a:r>
-              <a:rPr lang="en-US" altLang="zh-CN" sz="3100" dirty="0" err="1" smtClean="0">
-                <a:latin typeface="Arial Black" pitchFamily="34" charset="0"/>
-              </a:rPr>
-              <a:t>libuv</a:t>
-            </a:r>
-            <a:r>
-              <a:rPr lang="en-US" altLang="zh-CN" sz="3100" dirty="0" smtClean="0">
+              <a:rPr lang="en-US" altLang="zh-CN" sz="4000" dirty="0" err="1" smtClean="0">
+                <a:latin typeface="Arial Black" pitchFamily="34" charset="0"/>
+              </a:rPr>
+              <a:t>Libuv</a:t>
+            </a:r>
+            <a:r>
+              <a:rPr lang="en-US" altLang="zh-CN" sz="4000" dirty="0" smtClean="0">
                 <a:latin typeface="Arial Black" pitchFamily="34" charset="0"/>
               </a:rPr>
               <a:t> internals</a:t>
             </a:r>
-            <a:endParaRPr lang="zh-CN" altLang="en-US" dirty="0"/>
+            <a:endParaRPr lang="zh-CN" altLang="en-US" sz="4000" dirty="0"/>
           </a:p>
         </p:txBody>
       </p:sp>
@@ -4582,48 +4554,24 @@
         <p:spPr/>
         <p:txBody>
           <a:bodyPr>
-            <a:normAutofit fontScale="90000"/>
+            <a:normAutofit/>
           </a:bodyPr>
           <a:lstStyle/>
           <a:p>
             <a:pPr algn="l"/>
             <a:r>
-              <a:rPr lang="en-US" altLang="zh-CN" dirty="0" smtClean="0">
-                <a:latin typeface="Arial Black" pitchFamily="34" charset="0"/>
-              </a:rPr>
-              <a:t>Inside the </a:t>
-            </a:r>
-            <a:r>
-              <a:rPr lang="en-US" altLang="zh-CN" dirty="0" err="1" smtClean="0">
-                <a:latin typeface="Arial Black" pitchFamily="34" charset="0"/>
-              </a:rPr>
-              <a:t>libuv</a:t>
-            </a:r>
-            <a:r>
-              <a:rPr lang="en-US" altLang="zh-CN" dirty="0" smtClean="0">
-                <a:latin typeface="Arial Black" pitchFamily="34" charset="0"/>
-              </a:rPr>
-              <a:t> </a:t>
-            </a:r>
-            <a:r>
-              <a:rPr lang="en-US" altLang="zh-CN" sz="3100" dirty="0" smtClean="0">
-                <a:latin typeface="Arial Black" pitchFamily="34" charset="0"/>
-              </a:rPr>
-              <a:t>– </a:t>
-            </a:r>
-            <a:r>
-              <a:rPr lang="en-US" altLang="zh-CN" sz="3100" dirty="0" err="1" smtClean="0">
-                <a:latin typeface="Arial Black" pitchFamily="34" charset="0"/>
-              </a:rPr>
-              <a:t>libuv</a:t>
-            </a:r>
-            <a:r>
-              <a:rPr lang="en-US" altLang="zh-CN" sz="3100" dirty="0" smtClean="0">
+              <a:rPr lang="en-US" altLang="zh-CN" sz="4000" dirty="0" err="1" smtClean="0">
+                <a:latin typeface="Arial Black" pitchFamily="34" charset="0"/>
+              </a:rPr>
+              <a:t>Libuv</a:t>
+            </a:r>
+            <a:r>
+              <a:rPr lang="en-US" altLang="zh-CN" sz="4000" dirty="0" smtClean="0">
                 <a:latin typeface="Arial Black" pitchFamily="34" charset="0"/>
               </a:rPr>
               <a:t> internals</a:t>
             </a:r>
-            <a:endParaRPr lang="zh-CN" altLang="en-US" dirty="0"/>
+            <a:endParaRPr lang="zh-CN" altLang="en-US" sz="4000" dirty="0"/>
           </a:p>
         </p:txBody>
       </p:sp>
@@ -4758,35 +4706,21 @@
                 <a:latin typeface="Arial Black" pitchFamily="34" charset="0"/>
                 <a:cs typeface="Arial" pitchFamily="34" charset="0"/>
               </a:rPr>
-              <a:t>2. </a:t>
+              <a:t>2. add to queue </a:t>
+            </a:r>
+            <a:r>
+              <a:rPr lang="en-US" altLang="zh-CN" sz="1400" dirty="0" smtClean="0">
+                <a:latin typeface="Arial Black" pitchFamily="34" charset="0"/>
+                <a:cs typeface="Arial" pitchFamily="34" charset="0"/>
+              </a:rPr>
+              <a:t>when </a:t>
             </a:r>
             <a:r>
               <a:rPr lang="en-US" sz="1400" dirty="0" smtClean="0">
                 <a:latin typeface="Arial Black" pitchFamily="34" charset="0"/>
                 <a:cs typeface="Arial" pitchFamily="34" charset="0"/>
               </a:rPr>
-              <a:t>add to queue </a:t>
-            </a:r>
-            <a:r>
-              <a:rPr lang="en-US" altLang="zh-CN" sz="1400" dirty="0" smtClean="0">
-                <a:latin typeface="Arial Black" pitchFamily="34" charset="0"/>
-                <a:cs typeface="Arial" pitchFamily="34" charset="0"/>
-              </a:rPr>
-              <a:t>when </a:t>
-            </a:r>
-            <a:r>
-              <a:rPr lang="en-US" sz="1400" dirty="0" smtClean="0">
-                <a:latin typeface="Arial Black" pitchFamily="34" charset="0"/>
-                <a:cs typeface="Arial" pitchFamily="34" charset="0"/>
-              </a:rPr>
-              <a:t>event </a:t>
-            </a:r>
-            <a:r>
-              <a:rPr lang="en-US" sz="1400" dirty="0" smtClean="0">
-                <a:latin typeface="Arial Black" pitchFamily="34" charset="0"/>
-                <a:cs typeface="Arial" pitchFamily="34" charset="0"/>
-              </a:rPr>
-              <a:t>happens </a:t>
+              <a:t>event happens </a:t>
             </a:r>
           </a:p>
           <a:p>
@@ -4817,7 +4751,7 @@
       </p:sp>
       <p:pic>
         <p:nvPicPr>
-          <p:cNvPr id="2053" name="Picture 5"/>
+          <p:cNvPr id="4098" name="Picture 2"/>
           <p:cNvPicPr>
             <a:picLocks noChangeAspect="1" noChangeArrowheads="1"/>
           </p:cNvPicPr>
@@ -4832,8 +4766,8 @@
         </p:blipFill>
         <p:spPr bwMode="auto">
           <a:xfrm>
-            <a:off x="4500562" y="1785926"/>
-            <a:ext cx="4171950" cy="3600450"/>
+            <a:off x="4214810" y="1643050"/>
+            <a:ext cx="4772181" cy="4214684"/>
           </a:xfrm>
           <a:prstGeom prst="rect">
             <a:avLst/>
@@ -4893,48 +4827,24 @@
         <p:spPr/>
         <p:txBody>
           <a:bodyPr>
-            <a:normAutofit fontScale="90000"/>
+            <a:normAutofit/>
           </a:bodyPr>
           <a:lstStyle/>
           <a:p>
             <a:pPr algn="l"/>
             <a:r>
-              <a:rPr lang="en-US" altLang="zh-CN" dirty="0" smtClean="0">
-                <a:latin typeface="Arial Black" pitchFamily="34" charset="0"/>
-              </a:rPr>
-              <a:t>Inside the </a:t>
-            </a:r>
-            <a:r>
-              <a:rPr lang="en-US" altLang="zh-CN" dirty="0" err="1" smtClean="0">
-                <a:latin typeface="Arial Black" pitchFamily="34" charset="0"/>
-              </a:rPr>
-              <a:t>libuv</a:t>
-            </a:r>
-            <a:r>
-              <a:rPr lang="en-US" altLang="zh-CN" dirty="0" smtClean="0">
-                <a:latin typeface="Arial Black" pitchFamily="34" charset="0"/>
-              </a:rPr>
-              <a:t> </a:t>
-            </a:r>
-            <a:r>
-              <a:rPr lang="en-US" altLang="zh-CN" sz="3100" dirty="0" smtClean="0">
-                <a:latin typeface="Arial Black" pitchFamily="34" charset="0"/>
-              </a:rPr>
-              <a:t>– </a:t>
-            </a:r>
-            <a:r>
-              <a:rPr lang="en-US" altLang="zh-CN" sz="3100" dirty="0" err="1" smtClean="0">
-                <a:latin typeface="Arial Black" pitchFamily="34" charset="0"/>
-              </a:rPr>
-              <a:t>libuv</a:t>
-            </a:r>
-            <a:r>
-              <a:rPr lang="en-US" altLang="zh-CN" sz="3100" dirty="0" smtClean="0">
+              <a:rPr lang="en-US" altLang="zh-CN" sz="4000" dirty="0" err="1" smtClean="0">
+                <a:latin typeface="Arial Black" pitchFamily="34" charset="0"/>
+              </a:rPr>
+              <a:t>Libuv</a:t>
+            </a:r>
+            <a:r>
+              <a:rPr lang="en-US" altLang="zh-CN" sz="4000" dirty="0" smtClean="0">
                 <a:latin typeface="Arial Black" pitchFamily="34" charset="0"/>
               </a:rPr>
               <a:t> internals</a:t>
             </a:r>
-            <a:endParaRPr lang="zh-CN" altLang="en-US" dirty="0"/>
+            <a:endParaRPr lang="zh-CN" altLang="en-US" sz="4000" dirty="0"/>
           </a:p>
         </p:txBody>
       </p:sp>
@@ -5106,48 +5016,24 @@
         <p:spPr/>
         <p:txBody>
           <a:bodyPr>
-            <a:normAutofit fontScale="90000"/>
+            <a:normAutofit/>
           </a:bodyPr>
           <a:lstStyle/>
           <a:p>
             <a:pPr algn="l"/>
             <a:r>
-              <a:rPr lang="en-US" altLang="zh-CN" dirty="0" smtClean="0">
-                <a:latin typeface="Arial Black" pitchFamily="34" charset="0"/>
-              </a:rPr>
-              <a:t>Inside the </a:t>
-            </a:r>
-            <a:r>
-              <a:rPr lang="en-US" altLang="zh-CN" dirty="0" err="1" smtClean="0">
-                <a:latin typeface="Arial Black" pitchFamily="34" charset="0"/>
-              </a:rPr>
-              <a:t>libuv</a:t>
-            </a:r>
-            <a:r>
-              <a:rPr lang="en-US" altLang="zh-CN" dirty="0" smtClean="0">
-                <a:latin typeface="Arial Black" pitchFamily="34" charset="0"/>
-              </a:rPr>
-              <a:t> </a:t>
-            </a:r>
-            <a:r>
-              <a:rPr lang="en-US" altLang="zh-CN" sz="3100" dirty="0" smtClean="0">
-                <a:latin typeface="Arial Black" pitchFamily="34" charset="0"/>
-              </a:rPr>
-              <a:t>– </a:t>
-            </a:r>
-            <a:r>
-              <a:rPr lang="en-US" altLang="zh-CN" sz="3100" dirty="0" err="1" smtClean="0">
-                <a:latin typeface="Arial Black" pitchFamily="34" charset="0"/>
-              </a:rPr>
-              <a:t>libuv</a:t>
-            </a:r>
-            <a:r>
-              <a:rPr lang="en-US" altLang="zh-CN" sz="3100" dirty="0" smtClean="0">
+              <a:rPr lang="en-US" altLang="zh-CN" sz="4000" dirty="0" err="1" smtClean="0">
+                <a:latin typeface="Arial Black" pitchFamily="34" charset="0"/>
+              </a:rPr>
+              <a:t>Libuv</a:t>
+            </a:r>
+            <a:r>
+              <a:rPr lang="en-US" altLang="zh-CN" sz="4000" dirty="0" smtClean="0">
                 <a:latin typeface="Arial Black" pitchFamily="34" charset="0"/>
               </a:rPr>
               <a:t> internals</a:t>
             </a:r>
-            <a:endParaRPr lang="zh-CN" altLang="en-US" dirty="0"/>
+            <a:endParaRPr lang="zh-CN" altLang="en-US" sz="4000" dirty="0"/>
           </a:p>
         </p:txBody>
       </p:sp>
@@ -5168,8 +5054,8 @@
         </p:blipFill>
         <p:spPr bwMode="auto">
           <a:xfrm>
-            <a:off x="1500166" y="1571612"/>
-            <a:ext cx="6067425" cy="4533900"/>
+            <a:off x="1000100" y="1214422"/>
+            <a:ext cx="7119956" cy="5385413"/>
           </a:xfrm>
           <a:prstGeom prst="rect">
             <a:avLst/>
@@ -5229,48 +5115,24 @@
         <p:spPr/>
         <p:txBody>
           <a:bodyPr>
-            <a:normAutofit fontScale="90000"/>
+            <a:normAutofit/>
           </a:bodyPr>
           <a:lstStyle/>
           <a:p>
             <a:pPr algn="l"/>
             <a:r>
-              <a:rPr lang="en-US" altLang="zh-CN" dirty="0" smtClean="0">
-                <a:latin typeface="Arial Black" pitchFamily="34" charset="0"/>
-              </a:rPr>
-              <a:t>Inside the </a:t>
-            </a:r>
-            <a:r>
-              <a:rPr lang="en-US" altLang="zh-CN" dirty="0" err="1" smtClean="0">
-                <a:latin typeface="Arial Black" pitchFamily="34" charset="0"/>
-              </a:rPr>
-              <a:t>libuv</a:t>
-            </a:r>
-            <a:r>
-              <a:rPr lang="en-US" altLang="zh-CN" dirty="0" smtClean="0">
-                <a:latin typeface="Arial Black" pitchFamily="34" charset="0"/>
-              </a:rPr>
-              <a:t> </a:t>
-            </a:r>
-            <a:r>
-              <a:rPr lang="en-US" altLang="zh-CN" sz="3100" dirty="0" smtClean="0">
-                <a:latin typeface="Arial Black" pitchFamily="34" charset="0"/>
-              </a:rPr>
-              <a:t>– </a:t>
-            </a:r>
-            <a:r>
-              <a:rPr lang="en-US" altLang="zh-CN" sz="3100" dirty="0" err="1" smtClean="0">
-                <a:latin typeface="Arial Black" pitchFamily="34" charset="0"/>
-              </a:rPr>
-              <a:t>libuv</a:t>
-            </a:r>
-            <a:r>
-              <a:rPr lang="en-US" altLang="zh-CN" sz="3100" dirty="0" smtClean="0">
+              <a:rPr lang="en-US" altLang="zh-CN" sz="4000" dirty="0" err="1" smtClean="0">
+                <a:latin typeface="Arial Black" pitchFamily="34" charset="0"/>
+              </a:rPr>
+              <a:t>Libuv</a:t>
+            </a:r>
+            <a:r>
+              <a:rPr lang="en-US" altLang="zh-CN" sz="4000" dirty="0" smtClean="0">
                 <a:latin typeface="Arial Black" pitchFamily="34" charset="0"/>
               </a:rPr>
               <a:t> internals</a:t>
             </a:r>
-            <a:endParaRPr lang="zh-CN" altLang="en-US" dirty="0"/>
+            <a:endParaRPr lang="zh-CN" altLang="en-US" sz="4000" dirty="0"/>
           </a:p>
         </p:txBody>
       </p:sp>
@@ -5326,6 +5188,181 @@
             </a:endParaRPr>
           </a:p>
           <a:p>
+            <a:pPr marL="457200" indent="-457200">
+              <a:buNone/>
+            </a:pPr>
+            <a:r>
+              <a:rPr lang="en-US" altLang="zh-CN" sz="1400" dirty="0" smtClean="0">
+                <a:latin typeface="Arial Black" pitchFamily="34" charset="0"/>
+                <a:cs typeface="Courier New" pitchFamily="49" charset="0"/>
+              </a:rPr>
+              <a:t>1. </a:t>
+            </a:r>
+            <a:r>
+              <a:rPr lang="en-US" altLang="zh-CN" sz="1400" dirty="0" smtClean="0">
+                <a:latin typeface="Arial Black" pitchFamily="34" charset="0"/>
+                <a:cs typeface="Courier New" pitchFamily="49" charset="0"/>
+              </a:rPr>
+              <a:t>submit work to </a:t>
+            </a:r>
+            <a:r>
+              <a:rPr lang="en-US" altLang="zh-CN" sz="1400" dirty="0" err="1" smtClean="0">
+                <a:latin typeface="Arial Black" pitchFamily="34" charset="0"/>
+                <a:cs typeface="Courier New" pitchFamily="49" charset="0"/>
+              </a:rPr>
+              <a:t>threadpoll</a:t>
+            </a:r>
+            <a:r>
+              <a:rPr lang="en-US" altLang="zh-CN" sz="1400" dirty="0" smtClean="0">
+                <a:latin typeface="Arial Black" pitchFamily="34" charset="0"/>
+                <a:cs typeface="Courier New" pitchFamily="49" charset="0"/>
+              </a:rPr>
+              <a:t>, register </a:t>
+            </a:r>
+            <a:r>
+              <a:rPr lang="en-US" altLang="zh-CN" sz="1400" dirty="0" err="1" smtClean="0">
+                <a:latin typeface="Arial Black" pitchFamily="34" charset="0"/>
+                <a:cs typeface="Courier New" pitchFamily="49" charset="0"/>
+              </a:rPr>
+              <a:t>fs</a:t>
+            </a:r>
+            <a:r>
+              <a:rPr lang="en-US" altLang="zh-CN" sz="1400" dirty="0" smtClean="0">
+                <a:latin typeface="Arial Black" pitchFamily="34" charset="0"/>
+                <a:cs typeface="Courier New" pitchFamily="49" charset="0"/>
+              </a:rPr>
+              <a:t> </a:t>
+            </a:r>
+            <a:r>
+              <a:rPr lang="en-US" altLang="zh-CN" sz="1400" dirty="0" err="1" smtClean="0">
+                <a:latin typeface="Arial Black" pitchFamily="34" charset="0"/>
+                <a:cs typeface="Courier New" pitchFamily="49" charset="0"/>
+              </a:rPr>
+              <a:t>cb</a:t>
+            </a:r>
+            <a:r>
+              <a:rPr lang="en-US" altLang="zh-CN" sz="1400" dirty="0" smtClean="0">
+                <a:latin typeface="Arial Black" pitchFamily="34" charset="0"/>
+                <a:cs typeface="Courier New" pitchFamily="49" charset="0"/>
+              </a:rPr>
+              <a:t>, create threads</a:t>
+            </a:r>
+            <a:r>
+              <a:rPr lang="zh-CN" altLang="en-US" sz="1400" dirty="0" smtClean="0">
+                <a:latin typeface="Arial Black" pitchFamily="34" charset="0"/>
+                <a:cs typeface="Courier New" pitchFamily="49" charset="0"/>
+              </a:rPr>
+              <a:t> </a:t>
+            </a:r>
+            <a:r>
+              <a:rPr lang="en-US" altLang="zh-CN" sz="1400" dirty="0" smtClean="0">
+                <a:latin typeface="Arial Black" pitchFamily="34" charset="0"/>
+                <a:cs typeface="Courier New" pitchFamily="49" charset="0"/>
+              </a:rPr>
+              <a:t>and init </a:t>
+            </a:r>
+            <a:r>
+              <a:rPr lang="en-US" altLang="zh-CN" sz="1400" dirty="0" err="1" smtClean="0">
+                <a:latin typeface="Arial Black" pitchFamily="34" charset="0"/>
+                <a:cs typeface="Courier New" pitchFamily="49" charset="0"/>
+              </a:rPr>
+              <a:t>threadpoll</a:t>
+            </a:r>
+            <a:r>
+              <a:rPr lang="en-US" altLang="zh-CN" sz="1400" dirty="0" smtClean="0">
+                <a:latin typeface="Arial Black" pitchFamily="34" charset="0"/>
+                <a:cs typeface="Courier New" pitchFamily="49" charset="0"/>
+              </a:rPr>
+              <a:t> </a:t>
+            </a:r>
+            <a:r>
+              <a:rPr lang="en-US" altLang="zh-CN" sz="1400" dirty="0" err="1" smtClean="0">
+                <a:latin typeface="Arial Black" pitchFamily="34" charset="0"/>
+                <a:cs typeface="Courier New" pitchFamily="49" charset="0"/>
+              </a:rPr>
+              <a:t>wq</a:t>
+            </a:r>
+            <a:endParaRPr lang="en-US" altLang="zh-CN" sz="1400" dirty="0" smtClean="0">
+              <a:latin typeface="Arial Black" pitchFamily="34" charset="0"/>
+              <a:cs typeface="Courier New" pitchFamily="49" charset="0"/>
+            </a:endParaRPr>
+          </a:p>
+          <a:p>
+            <a:pPr marL="457200" indent="-457200">
+              <a:buNone/>
+            </a:pPr>
+            <a:r>
+              <a:rPr lang="en-US" altLang="zh-CN" sz="1400" dirty="0" smtClean="0">
+                <a:latin typeface="Courier New" pitchFamily="49" charset="0"/>
+                <a:cs typeface="Courier New" pitchFamily="49" charset="0"/>
+              </a:rPr>
+              <a:t>  </a:t>
+            </a:r>
+            <a:r>
+              <a:rPr lang="en-US" altLang="zh-CN" sz="1100" dirty="0" err="1" smtClean="0">
+                <a:latin typeface="Courier New" pitchFamily="49" charset="0"/>
+                <a:cs typeface="Courier New" pitchFamily="49" charset="0"/>
+              </a:rPr>
+              <a:t>uv_fs_XXX</a:t>
+            </a:r>
+            <a:r>
+              <a:rPr lang="en-US" altLang="zh-CN" sz="1100" dirty="0" smtClean="0">
+                <a:latin typeface="Courier New" pitchFamily="49" charset="0"/>
+                <a:cs typeface="Courier New" pitchFamily="49" charset="0"/>
+              </a:rPr>
+              <a:t>(CB</a:t>
+            </a:r>
+            <a:r>
+              <a:rPr lang="en-US" altLang="zh-CN" sz="1100" dirty="0" smtClean="0">
+                <a:latin typeface="Courier New" pitchFamily="49" charset="0"/>
+                <a:cs typeface="Courier New" pitchFamily="49" charset="0"/>
+              </a:rPr>
+              <a:t>) -&gt; POST -&gt; </a:t>
+            </a:r>
+            <a:r>
+              <a:rPr lang="en-US" altLang="zh-CN" sz="1100" dirty="0" err="1" smtClean="0">
+                <a:latin typeface="Courier New" pitchFamily="49" charset="0"/>
+                <a:cs typeface="Courier New" pitchFamily="49" charset="0"/>
+              </a:rPr>
+              <a:t>uv__work_submit</a:t>
+            </a:r>
+            <a:r>
+              <a:rPr lang="en-US" altLang="zh-CN" sz="1100" dirty="0" smtClean="0">
+                <a:latin typeface="Courier New" pitchFamily="49" charset="0"/>
+                <a:cs typeface="Courier New" pitchFamily="49" charset="0"/>
+              </a:rPr>
+              <a:t>(</a:t>
+            </a:r>
+            <a:r>
+              <a:rPr lang="en-US" altLang="zh-CN" sz="1100" dirty="0" err="1" smtClean="0">
+                <a:latin typeface="Courier New" pitchFamily="49" charset="0"/>
+                <a:cs typeface="Courier New" pitchFamily="49" charset="0"/>
+              </a:rPr>
+              <a:t>uv__fs_work</a:t>
+            </a:r>
+            <a:r>
+              <a:rPr lang="en-US" altLang="zh-CN" sz="1100" dirty="0" smtClean="0">
+                <a:latin typeface="Courier New" pitchFamily="49" charset="0"/>
+                <a:cs typeface="Courier New" pitchFamily="49" charset="0"/>
+              </a:rPr>
+              <a:t>, </a:t>
+            </a:r>
+            <a:r>
+              <a:rPr lang="en-US" altLang="zh-CN" sz="1100" dirty="0" err="1" smtClean="0">
+                <a:latin typeface="Courier New" pitchFamily="49" charset="0"/>
+                <a:cs typeface="Courier New" pitchFamily="49" charset="0"/>
+              </a:rPr>
+              <a:t>uv__fs_done</a:t>
+            </a:r>
+            <a:r>
+              <a:rPr lang="en-US" altLang="zh-CN" sz="1100" dirty="0" smtClean="0">
+                <a:latin typeface="Courier New" pitchFamily="49" charset="0"/>
+                <a:cs typeface="Courier New" pitchFamily="49" charset="0"/>
+              </a:rPr>
+              <a:t>)</a:t>
+            </a:r>
+          </a:p>
+          <a:p>
             <a:pPr>
               <a:buNone/>
             </a:pPr>
@@ -5334,7 +5371,14 @@
                 <a:latin typeface="Arial Black" pitchFamily="34" charset="0"/>
                 <a:cs typeface="Courier New" pitchFamily="49" charset="0"/>
               </a:rPr>
-              <a:t>1. init </a:t>
+              <a:t>2. </a:t>
+            </a:r>
+            <a:r>
+              <a:rPr lang="en-US" altLang="zh-CN" sz="1400" dirty="0" smtClean="0">
+                <a:latin typeface="Arial Black" pitchFamily="34" charset="0"/>
+                <a:cs typeface="Courier New" pitchFamily="49" charset="0"/>
+              </a:rPr>
+              <a:t>init </a:t>
             </a:r>
             <a:r>
               <a:rPr lang="en-US" altLang="zh-CN" sz="1400" dirty="0" err="1" smtClean="0">
@@ -5411,154 +5455,14 @@
                 <a:latin typeface="Arial Black" pitchFamily="34" charset="0"/>
                 <a:cs typeface="Courier New" pitchFamily="49" charset="0"/>
               </a:rPr>
-              <a:t>2. register </a:t>
-            </a:r>
-            <a:r>
-              <a:rPr lang="en-US" altLang="zh-CN" sz="1400" dirty="0" err="1" smtClean="0">
-                <a:latin typeface="Arial Black" pitchFamily="34" charset="0"/>
-                <a:cs typeface="Courier New" pitchFamily="49" charset="0"/>
-              </a:rPr>
-              <a:t>fs</a:t>
+              <a:t>3</a:t>
             </a:r>
             <a:r>
               <a:rPr lang="en-US" altLang="zh-CN" sz="1400" dirty="0" smtClean="0">
                 <a:latin typeface="Arial Black" pitchFamily="34" charset="0"/>
                 <a:cs typeface="Courier New" pitchFamily="49" charset="0"/>
               </a:rPr>
-              <a:t> </a:t>
-            </a:r>
-            <a:r>
-              <a:rPr lang="en-US" altLang="zh-CN" sz="1400" dirty="0" err="1" smtClean="0">
-                <a:latin typeface="Arial Black" pitchFamily="34" charset="0"/>
-                <a:cs typeface="Courier New" pitchFamily="49" charset="0"/>
-              </a:rPr>
-              <a:t>cb</a:t>
-            </a:r>
-            <a:r>
-              <a:rPr lang="en-US" altLang="zh-CN" sz="1400" dirty="0" smtClean="0">
-                <a:latin typeface="Arial Black" pitchFamily="34" charset="0"/>
-                <a:cs typeface="Courier New" pitchFamily="49" charset="0"/>
-              </a:rPr>
-              <a:t>, create threads from </a:t>
-            </a:r>
-            <a:r>
-              <a:rPr lang="en-US" altLang="zh-CN" sz="1400" dirty="0" err="1" smtClean="0">
-                <a:latin typeface="Arial Black" pitchFamily="34" charset="0"/>
-                <a:cs typeface="Courier New" pitchFamily="49" charset="0"/>
-              </a:rPr>
-              <a:t>threadpoll</a:t>
-            </a:r>
-            <a:r>
-              <a:rPr lang="en-US" altLang="zh-CN" sz="1400" dirty="0" smtClean="0">
-                <a:latin typeface="Arial Black" pitchFamily="34" charset="0"/>
-                <a:cs typeface="Courier New" pitchFamily="49" charset="0"/>
-              </a:rPr>
-              <a:t> and init </a:t>
-            </a:r>
-            <a:r>
-              <a:rPr lang="en-US" altLang="zh-CN" sz="1400" dirty="0" err="1" smtClean="0">
-                <a:latin typeface="Arial Black" pitchFamily="34" charset="0"/>
-                <a:cs typeface="Courier New" pitchFamily="49" charset="0"/>
-              </a:rPr>
-              <a:t>threadpoll</a:t>
-            </a:r>
-            <a:r>
-              <a:rPr lang="en-US" altLang="zh-CN" sz="1400" dirty="0" smtClean="0">
-                <a:latin typeface="Arial Black" pitchFamily="34" charset="0"/>
-                <a:cs typeface="Courier New" pitchFamily="49" charset="0"/>
-              </a:rPr>
-              <a:t> </a:t>
-            </a:r>
-            <a:r>
-              <a:rPr lang="en-US" altLang="zh-CN" sz="1400" dirty="0" err="1" smtClean="0">
-                <a:latin typeface="Arial Black" pitchFamily="34" charset="0"/>
-                <a:cs typeface="Courier New" pitchFamily="49" charset="0"/>
-              </a:rPr>
-              <a:t>wq</a:t>
-            </a:r>
-            <a:endParaRPr lang="en-US" altLang="zh-CN" sz="1400" dirty="0" smtClean="0">
-              <a:latin typeface="Arial Black" pitchFamily="34" charset="0"/>
-              <a:cs typeface="Courier New" pitchFamily="49" charset="0"/>
-            </a:endParaRPr>
-          </a:p>
-          <a:p>
-            <a:pPr marL="457200" indent="-457200">
-              <a:buNone/>
-            </a:pPr>
-            <a:r>
-              <a:rPr lang="en-US" altLang="zh-CN" sz="1400" dirty="0" smtClean="0">
-                <a:latin typeface="Courier New" pitchFamily="49" charset="0"/>
-                <a:cs typeface="Courier New" pitchFamily="49" charset="0"/>
-              </a:rPr>
-              <a:t>  </a:t>
-            </a:r>
-            <a:r>
-              <a:rPr lang="en-US" altLang="zh-CN" sz="1100" dirty="0" err="1" smtClean="0">
-                <a:latin typeface="Courier New" pitchFamily="49" charset="0"/>
-                <a:cs typeface="Courier New" pitchFamily="49" charset="0"/>
-              </a:rPr>
-              <a:t>Uv_fs_XXX</a:t>
-            </a:r>
-            <a:r>
-              <a:rPr lang="en-US" altLang="zh-CN" sz="1100" dirty="0" smtClean="0">
-                <a:latin typeface="Courier New" pitchFamily="49" charset="0"/>
-                <a:cs typeface="Courier New" pitchFamily="49" charset="0"/>
-              </a:rPr>
-              <a:t>(CB) -&gt; POST -&gt; </a:t>
-            </a:r>
-            <a:r>
-              <a:rPr lang="en-US" altLang="zh-CN" sz="1100" dirty="0" err="1" smtClean="0">
-                <a:latin typeface="Courier New" pitchFamily="49" charset="0"/>
-                <a:cs typeface="Courier New" pitchFamily="49" charset="0"/>
-              </a:rPr>
-              <a:t>uv__work_submit</a:t>
-            </a:r>
-            <a:r>
-              <a:rPr lang="en-US" altLang="zh-CN" sz="1100" dirty="0" smtClean="0">
-                <a:latin typeface="Courier New" pitchFamily="49" charset="0"/>
-                <a:cs typeface="Courier New" pitchFamily="49" charset="0"/>
-              </a:rPr>
-              <a:t>(</a:t>
-            </a:r>
-            <a:r>
-              <a:rPr lang="en-US" altLang="zh-CN" sz="1100" dirty="0" err="1" smtClean="0">
-                <a:latin typeface="Courier New" pitchFamily="49" charset="0"/>
-                <a:cs typeface="Courier New" pitchFamily="49" charset="0"/>
-              </a:rPr>
-              <a:t>uv__fs_work</a:t>
-            </a:r>
-            <a:r>
-              <a:rPr lang="en-US" altLang="zh-CN" sz="1100" dirty="0" smtClean="0">
-                <a:latin typeface="Courier New" pitchFamily="49" charset="0"/>
-                <a:cs typeface="Courier New" pitchFamily="49" charset="0"/>
-              </a:rPr>
-              <a:t>, </a:t>
-            </a:r>
-            <a:r>
-              <a:rPr lang="en-US" altLang="zh-CN" sz="1100" dirty="0" err="1" smtClean="0">
-                <a:latin typeface="Courier New" pitchFamily="49" charset="0"/>
-                <a:cs typeface="Courier New" pitchFamily="49" charset="0"/>
-              </a:rPr>
-              <a:t>uv__fs_done</a:t>
-            </a:r>
-            <a:r>
-              <a:rPr lang="en-US" altLang="zh-CN" sz="1100" dirty="0" smtClean="0">
-                <a:latin typeface="Courier New" pitchFamily="49" charset="0"/>
-                <a:cs typeface="Courier New" pitchFamily="49" charset="0"/>
-              </a:rPr>
-              <a:t>)</a:t>
-            </a:r>
-          </a:p>
-          <a:p>
-            <a:pPr marL="457200" indent="-457200">
-              <a:buNone/>
-            </a:pPr>
-            <a:r>
-              <a:rPr lang="en-US" altLang="zh-CN" sz="1400" dirty="0" smtClean="0">
-                <a:latin typeface="Arial Black" pitchFamily="34" charset="0"/>
-                <a:cs typeface="Courier New" pitchFamily="49" charset="0"/>
-              </a:rPr>
-              <a:t>3. traverse </a:t>
+              <a:t>. traverse </a:t>
             </a:r>
             <a:r>
               <a:rPr lang="en-US" altLang="zh-CN" sz="1400" dirty="0" err="1" smtClean="0">
@@ -6434,6 +6338,84 @@
 </p:sld>
 </file>
 
+<file path=ppt/slides/slide19.xml><?xml version="1.0" encoding="utf-8"?>
+<p:sld xmlns:a="http://schemas.openxmlformats.org/drawingml/2006/main" xmlns:r="http://schemas.openxmlformats.org/officeDocument/2006/relationships" xmlns:p="http://schemas.openxmlformats.org/presentationml/2006/main">
+  <p:cSld>
+    <p:spTree>
+      <p:nvGrpSpPr>
+        <p:cNvPr id="1" name=""/>
+        <p:cNvGrpSpPr/>
+        <p:nvPr/>
+      </p:nvGrpSpPr>
+      <p:grpSpPr>
+        <a:xfrm>
+          <a:off x="0" y="0"/>
+          <a:ext cx="0" cy="0"/>
+          <a:chOff x="0" y="0"/>
+          <a:chExt cx="0" cy="0"/>
+        </a:xfrm>
+      </p:grpSpPr>
+      <p:sp>
+        <p:nvSpPr>
+          <p:cNvPr id="3" name="内容占位符 2"/>
+          <p:cNvSpPr>
+            <a:spLocks noGrp="1"/>
+          </p:cNvSpPr>
+          <p:nvPr>
+            <p:ph idx="1"/>
+          </p:nvPr>
+        </p:nvSpPr>
+        <p:spPr/>
+        <p:txBody>
+          <a:bodyPr/>
+          <a:lstStyle/>
+          <a:p>
+            <a:pPr algn="ctr">
+              <a:buNone/>
+            </a:pPr>
+            <a:endParaRPr lang="en-US" altLang="zh-CN" dirty="0" smtClean="0">
+              <a:latin typeface="Arial Black" pitchFamily="34" charset="0"/>
+            </a:endParaRPr>
+          </a:p>
+          <a:p>
+            <a:pPr algn="ctr">
+              <a:buNone/>
+            </a:pPr>
+            <a:endParaRPr lang="en-US" altLang="zh-CN" dirty="0" smtClean="0">
+              <a:latin typeface="Arial Black" pitchFamily="34" charset="0"/>
+            </a:endParaRPr>
+          </a:p>
+          <a:p>
+            <a:pPr algn="ctr">
+              <a:buNone/>
+            </a:pPr>
+            <a:r>
+              <a:rPr lang="en-US" altLang="zh-CN" dirty="0" smtClean="0">
+                <a:latin typeface="Arial Black" pitchFamily="34" charset="0"/>
+              </a:rPr>
+              <a:t>Thank you !</a:t>
+            </a:r>
+            <a:endParaRPr lang="zh-CN" altLang="en-US" dirty="0">
+              <a:latin typeface="Arial Black" pitchFamily="34" charset="0"/>
+            </a:endParaRPr>
+          </a:p>
+        </p:txBody>
+      </p:sp>
+    </p:spTree>
+  </p:cSld>
+  <p:clrMapOvr>
+    <a:masterClrMapping/>
+  </p:clrMapOvr>
+  <p:timing>
+    <p:tnLst>
+      <p:par>
+        <p:cTn id="1" dur="indefinite" restart="never" nodeType="tmRoot"/>
+      </p:par>
+    </p:tnLst>
+  </p:timing>
+</p:sld>
+</file>
+
 <file path=ppt/slides/slide2.xml><?xml version="1.0" encoding="utf-8"?>
 <p:sld xmlns:a="http://schemas.openxmlformats.org/drawingml/2006/main" xmlns:r="http://schemas.openxmlformats.org/officeDocument/2006/relationships" xmlns:p="http://schemas.openxmlformats.org/presentationml/2006/main">
   <p:cSld>
@@ -6527,60 +6509,24 @@
           </a:p>
           <a:p>
             <a:r>
+              <a:rPr lang="en-US" altLang="zh-CN" sz="2400" dirty="0" err="1" smtClean="0">
+                <a:latin typeface="Arial Black" pitchFamily="34" charset="0"/>
+              </a:rPr>
+              <a:t>Libuv</a:t>
+            </a:r>
+            <a:r>
               <a:rPr lang="en-US" altLang="zh-CN" sz="2400" dirty="0" smtClean="0">
                 <a:latin typeface="Arial Black" pitchFamily="34" charset="0"/>
               </a:rPr>
-              <a:t>Outside the </a:t>
-            </a:r>
+              <a:t> usages</a:t>
+            </a:r>
+          </a:p>
+          <a:p>
             <a:r>
               <a:rPr lang="en-US" altLang="zh-CN" sz="2400" dirty="0" err="1" smtClean="0">
                 <a:latin typeface="Arial Black" pitchFamily="34" charset="0"/>
               </a:rPr>
-              <a:t>libuv</a:t>
-            </a:r>
-            <a:r>
-              <a:rPr lang="en-US" altLang="zh-CN" sz="2400" dirty="0" smtClean="0">
-                <a:latin typeface="Arial Black" pitchFamily="34" charset="0"/>
-              </a:rPr>
-              <a:t> – </a:t>
-            </a:r>
-            <a:r>
-              <a:rPr lang="en-US" altLang="zh-CN" sz="2400" dirty="0" err="1" smtClean="0">
-                <a:latin typeface="Arial Black" pitchFamily="34" charset="0"/>
-              </a:rPr>
-              <a:t>libuv</a:t>
-            </a:r>
-            <a:r>
-              <a:rPr lang="en-US" altLang="zh-CN" sz="2400" dirty="0" smtClean="0">
-                <a:latin typeface="Arial Black" pitchFamily="34" charset="0"/>
-              </a:rPr>
-              <a:t> usages</a:t>
-            </a:r>
-          </a:p>
-          <a:p>
-            <a:r>
-              <a:rPr lang="en-US" altLang="zh-CN" sz="2400" dirty="0" smtClean="0">
-                <a:latin typeface="Arial Black" pitchFamily="34" charset="0"/>
-              </a:rPr>
-              <a:t>Inside the </a:t>
-            </a:r>
-            <a:r>
-              <a:rPr lang="en-US" altLang="zh-CN" sz="2400" dirty="0" err="1" smtClean="0">
-                <a:latin typeface="Arial Black" pitchFamily="34" charset="0"/>
-              </a:rPr>
-              <a:t>libuv</a:t>
-            </a:r>
-            <a:r>
-              <a:rPr lang="en-US" altLang="zh-CN" sz="2400" dirty="0" smtClean="0">
-                <a:latin typeface="Arial Black" pitchFamily="34" charset="0"/>
-              </a:rPr>
-              <a:t> – </a:t>
-            </a:r>
-            <a:r>
-              <a:rPr lang="en-US" altLang="zh-CN" sz="2400" dirty="0" err="1" smtClean="0">
-                <a:latin typeface="Arial Black" pitchFamily="34" charset="0"/>
-              </a:rPr>
-              <a:t>libuv</a:t>
+              <a:t>Libuv</a:t>
             </a:r>
             <a:r>
               <a:rPr lang="en-US" altLang="zh-CN" sz="2400" dirty="0" smtClean="0">
@@ -6699,6 +6645,14 @@
               <a:rPr lang="en-US" altLang="zh-CN" sz="2400" dirty="0" smtClean="0">
                 <a:latin typeface="Arial Black" pitchFamily="34" charset="0"/>
               </a:rPr>
+              <a:t>Blocking VS non-blocking</a:t>
+            </a:r>
+          </a:p>
+          <a:p>
+            <a:r>
+              <a:rPr lang="en-US" altLang="zh-CN" sz="2400" dirty="0" smtClean="0">
+                <a:latin typeface="Arial Black" pitchFamily="34" charset="0"/>
+              </a:rPr>
               <a:t>Synchronous VS asynchronous</a:t>
             </a:r>
           </a:p>
@@ -6707,7 +6661,7 @@
               <a:rPr lang="en-US" altLang="zh-CN" sz="2400" dirty="0" smtClean="0">
                 <a:latin typeface="Arial Black" pitchFamily="34" charset="0"/>
               </a:rPr>
-              <a:t>Blocking VS non-blocking</a:t>
+              <a:t>BIO, NIO and AIO</a:t>
             </a:r>
           </a:p>
           <a:p>
@@ -6715,24 +6669,19 @@
               <a:rPr lang="en-US" altLang="zh-CN" sz="2400" dirty="0" smtClean="0">
                 <a:latin typeface="Arial Black" pitchFamily="34" charset="0"/>
               </a:rPr>
-              <a:t>BIO, NIO and AIO</a:t>
-            </a:r>
-          </a:p>
-          <a:p>
-            <a:r>
-              <a:rPr lang="en-US" altLang="zh-CN" sz="2400" dirty="0" smtClean="0">
-                <a:latin typeface="Arial Black" pitchFamily="34" charset="0"/>
-              </a:rPr>
-              <a:t>Callback</a:t>
-            </a:r>
-          </a:p>
-          <a:p>
-            <a:r>
-              <a:rPr lang="en-US" altLang="zh-CN" sz="2400" dirty="0" smtClean="0">
-                <a:latin typeface="Arial Black" pitchFamily="34" charset="0"/>
-              </a:rPr>
-              <a:t>Event</a:t>
-            </a:r>
+              <a:t>Event &amp; callback</a:t>
+            </a:r>
+          </a:p>
+          <a:p>
+            <a:r>
+              <a:rPr lang="en-US" altLang="zh-CN" sz="2400" dirty="0" err="1" smtClean="0">
+                <a:latin typeface="Arial Black" pitchFamily="34" charset="0"/>
+              </a:rPr>
+              <a:t>epoll</a:t>
+            </a:r>
+            <a:endParaRPr lang="en-US" altLang="zh-CN" sz="2400" dirty="0" smtClean="0">
+              <a:latin typeface="Arial Black" pitchFamily="34" charset="0"/>
+            </a:endParaRPr>
           </a:p>
           <a:p>
             <a:endParaRPr lang="en-US" altLang="zh-CN" dirty="0" smtClean="0">
@@ -6889,13 +6838,7 @@
               <a:rPr lang="en-US" altLang="zh-CN" sz="2000" u="sng" dirty="0" smtClean="0">
                 <a:latin typeface="Arial Black" pitchFamily="34" charset="0"/>
               </a:rPr>
-              <a:t>asynchronous</a:t>
-            </a:r>
-            <a:r>
-              <a:rPr lang="en-US" altLang="zh-CN" sz="2000" dirty="0" smtClean="0">
-                <a:latin typeface="Arial Black" pitchFamily="34" charset="0"/>
-              </a:rPr>
-              <a:t>  I/O library</a:t>
+              <a:t>asynchronous I/O library</a:t>
             </a:r>
           </a:p>
           <a:p>
@@ -7076,23 +7019,25 @@
         </p:nvSpPr>
         <p:spPr/>
         <p:txBody>
-          <a:bodyPr/>
+          <a:bodyPr>
+            <a:normAutofit/>
+          </a:bodyPr>
           <a:lstStyle/>
           <a:p>
             <a:pPr algn="l"/>
             <a:r>
-              <a:rPr lang="en-US" altLang="zh-CN" dirty="0" err="1" smtClean="0">
+              <a:rPr lang="en-US" altLang="zh-CN" sz="4000" dirty="0" err="1" smtClean="0">
                 <a:latin typeface="Arial Black" pitchFamily="34" charset="0"/>
               </a:rPr>
               <a:t>Libuv</a:t>
             </a:r>
             <a:r>
-              <a:rPr lang="en-US" altLang="zh-CN" dirty="0" smtClean="0">
+              <a:rPr lang="en-US" altLang="zh-CN" sz="4000" dirty="0" smtClean="0">
                 <a:latin typeface="Arial Black" pitchFamily="34" charset="0"/>
               </a:rPr>
               <a:t> basics</a:t>
             </a:r>
-            <a:endParaRPr lang="zh-CN" altLang="en-US" dirty="0">
+            <a:endParaRPr lang="zh-CN" altLang="en-US" sz="4000" dirty="0">
               <a:latin typeface="Arial Black" pitchFamily="34" charset="0"/>
             </a:endParaRPr>
           </a:p>
@@ -7251,7 +7196,7 @@
       </p:sp>
       <p:pic>
         <p:nvPicPr>
-          <p:cNvPr id="4098" name="Picture 2"/>
+          <p:cNvPr id="3" name="Picture 2"/>
           <p:cNvPicPr>
             <a:picLocks noChangeAspect="1" noChangeArrowheads="1"/>
           </p:cNvPicPr>
@@ -7266,8 +7211,8 @@
         </p:blipFill>
         <p:spPr bwMode="auto">
           <a:xfrm>
-            <a:off x="1142976" y="1714488"/>
-            <a:ext cx="6610350" cy="4133850"/>
+            <a:off x="456966" y="1357298"/>
+            <a:ext cx="8187000" cy="5143536"/>
           </a:xfrm>
           <a:prstGeom prst="rect">
             <a:avLst/>
@@ -7352,7 +7297,7 @@
       </p:sp>
       <p:pic>
         <p:nvPicPr>
-          <p:cNvPr id="3074" name="Picture 2"/>
+          <p:cNvPr id="2050" name="Picture 2"/>
           <p:cNvPicPr>
             <a:picLocks noChangeAspect="1" noChangeArrowheads="1"/>
           </p:cNvPicPr>
@@ -7367,8 +7312,8 @@
         </p:blipFill>
         <p:spPr bwMode="auto">
           <a:xfrm>
-            <a:off x="1785918" y="1500174"/>
-            <a:ext cx="4352925" cy="4800600"/>
+            <a:off x="2214546" y="1342289"/>
+            <a:ext cx="4380913" cy="5229983"/>
           </a:xfrm>
           <a:prstGeom prst="rect">
             <a:avLst/>
@@ -7428,48 +7373,24 @@
         <p:spPr/>
         <p:txBody>
           <a:bodyPr>
-            <a:normAutofit fontScale="90000"/>
+            <a:normAutofit/>
           </a:bodyPr>
           <a:lstStyle/>
           <a:p>
             <a:pPr algn="l"/>
             <a:r>
-              <a:rPr lang="en-US" altLang="zh-CN" dirty="0" smtClean="0">
-                <a:latin typeface="Arial Black" pitchFamily="34" charset="0"/>
-              </a:rPr>
-              <a:t>Outside the </a:t>
-            </a:r>
-            <a:r>
-              <a:rPr lang="en-US" altLang="zh-CN" dirty="0" err="1" smtClean="0">
-                <a:latin typeface="Arial Black" pitchFamily="34" charset="0"/>
-              </a:rPr>
-              <a:t>libuv</a:t>
-            </a:r>
-            <a:r>
-              <a:rPr lang="en-US" altLang="zh-CN" dirty="0" smtClean="0">
-                <a:latin typeface="Arial Black" pitchFamily="34" charset="0"/>
-              </a:rPr>
-              <a:t> </a:t>
-            </a:r>
-            <a:r>
-              <a:rPr lang="en-US" altLang="zh-CN" sz="3100" dirty="0" smtClean="0">
-                <a:latin typeface="Arial Black" pitchFamily="34" charset="0"/>
-              </a:rPr>
-              <a:t>– </a:t>
-            </a:r>
-            <a:r>
-              <a:rPr lang="en-US" altLang="zh-CN" sz="3100" dirty="0" err="1" smtClean="0">
-                <a:latin typeface="Arial Black" pitchFamily="34" charset="0"/>
-              </a:rPr>
-              <a:t>libuv</a:t>
-            </a:r>
-            <a:r>
-              <a:rPr lang="en-US" altLang="zh-CN" sz="3100" dirty="0" smtClean="0">
+              <a:rPr lang="en-US" altLang="zh-CN" sz="4000" dirty="0" err="1" smtClean="0">
+                <a:latin typeface="Arial Black" pitchFamily="34" charset="0"/>
+              </a:rPr>
+              <a:t>Libuv</a:t>
+            </a:r>
+            <a:r>
+              <a:rPr lang="en-US" altLang="zh-CN" sz="4000" dirty="0" smtClean="0">
                 <a:latin typeface="Arial Black" pitchFamily="34" charset="0"/>
               </a:rPr>
               <a:t> usages</a:t>
             </a:r>
-            <a:endParaRPr lang="zh-CN" altLang="en-US" dirty="0"/>
+            <a:endParaRPr lang="zh-CN" altLang="en-US" sz="4000" dirty="0"/>
           </a:p>
         </p:txBody>
       </p:sp>
@@ -7999,48 +7920,24 @@
         <p:spPr/>
         <p:txBody>
           <a:bodyPr>
-            <a:normAutofit fontScale="90000"/>
+            <a:normAutofit/>
           </a:bodyPr>
           <a:lstStyle/>
           <a:p>
             <a:pPr algn="l"/>
             <a:r>
-              <a:rPr lang="en-US" altLang="zh-CN" dirty="0" smtClean="0">
-                <a:latin typeface="Arial Black" pitchFamily="34" charset="0"/>
-              </a:rPr>
-              <a:t>Outside the </a:t>
-            </a:r>
-            <a:r>
-              <a:rPr lang="en-US" altLang="zh-CN" dirty="0" err="1" smtClean="0">
-                <a:latin typeface="Arial Black" pitchFamily="34" charset="0"/>
-              </a:rPr>
-              <a:t>libuv</a:t>
-            </a:r>
-            <a:r>
-              <a:rPr lang="en-US" altLang="zh-CN" dirty="0" smtClean="0">
-                <a:latin typeface="Arial Black" pitchFamily="34" charset="0"/>
-              </a:rPr>
-              <a:t> </a:t>
-            </a:r>
-            <a:r>
-              <a:rPr lang="en-US" altLang="zh-CN" sz="3100" dirty="0" smtClean="0">
-                <a:latin typeface="Arial Black" pitchFamily="34" charset="0"/>
-              </a:rPr>
-              <a:t>– </a:t>
-            </a:r>
-            <a:r>
-              <a:rPr lang="en-US" altLang="zh-CN" sz="3100" dirty="0" err="1" smtClean="0">
-                <a:latin typeface="Arial Black" pitchFamily="34" charset="0"/>
-              </a:rPr>
-              <a:t>libuv</a:t>
-            </a:r>
-            <a:r>
-              <a:rPr lang="en-US" altLang="zh-CN" sz="3100" dirty="0" smtClean="0">
+              <a:rPr lang="en-US" altLang="zh-CN" sz="4000" dirty="0" err="1" smtClean="0">
+                <a:latin typeface="Arial Black" pitchFamily="34" charset="0"/>
+              </a:rPr>
+              <a:t>Libuv</a:t>
+            </a:r>
+            <a:r>
+              <a:rPr lang="en-US" altLang="zh-CN" sz="4000" dirty="0" smtClean="0">
                 <a:latin typeface="Arial Black" pitchFamily="34" charset="0"/>
               </a:rPr>
               <a:t> usages</a:t>
             </a:r>
-            <a:endParaRPr lang="zh-CN" altLang="en-US" dirty="0"/>
+            <a:endParaRPr lang="zh-CN" altLang="en-US" sz="4000" dirty="0"/>
           </a:p>
         </p:txBody>
       </p:sp>
